--- a/lecs/cmsc498t_s2022_lec22_knittel.pptx
+++ b/lecs/cmsc498t_s2022_lec22_knittel.pptx
@@ -241,7 +241,7 @@
           <a:p>
             <a:fld id="{80BF8044-1598-EF4E-BBDA-D110E031C231}" type="datetimeFigureOut">
               <a:rPr lang="en-US" smtClean="0"/>
-              <a:t>4/13/2022</a:t>
+              <a:t>4/18/2022</a:t>
             </a:fld>
             <a:endParaRPr lang="en-US"/>
           </a:p>
@@ -407,7 +407,7 @@
           <a:p>
             <a:fld id="{8FEE2225-873F-6F40-BA29-3AE101B223B8}" type="datetimeFigureOut">
               <a:rPr lang="en-US" smtClean="0"/>
-              <a:t>4/13/2022</a:t>
+              <a:t>4/18/2022</a:t>
             </a:fld>
             <a:endParaRPr lang="en-US"/>
           </a:p>
@@ -31878,10 +31878,10 @@
       </p:sp>
       <p:sp>
         <p:nvSpPr>
-          <p:cNvPr id="16" name="Oval 15">
-            <a:extLst>
-              <a:ext uri="{FF2B5EF4-FFF2-40B4-BE49-F238E27FC236}">
-                <a16:creationId xmlns:a16="http://schemas.microsoft.com/office/drawing/2014/main" id="{827F7939-7FF1-443B-9AD8-251128695560}"/>
+          <p:cNvPr id="18" name="Oval 17">
+            <a:extLst>
+              <a:ext uri="{FF2B5EF4-FFF2-40B4-BE49-F238E27FC236}">
+                <a16:creationId xmlns:a16="http://schemas.microsoft.com/office/drawing/2014/main" id="{8A0A71F4-A167-4AEA-9028-F986D806843A}"/>
               </a:ext>
             </a:extLst>
           </p:cNvPr>
@@ -31890,7 +31890,7 @@
         </p:nvSpPr>
         <p:spPr>
           <a:xfrm>
-            <a:off x="3375577" y="4883476"/>
+            <a:off x="3973012" y="5744985"/>
             <a:ext cx="129623" cy="129623"/>
           </a:xfrm>
           <a:prstGeom prst="ellipse">
@@ -31932,10 +31932,10 @@
       </p:sp>
       <p:sp>
         <p:nvSpPr>
-          <p:cNvPr id="17" name="Oval 16">
-            <a:extLst>
-              <a:ext uri="{FF2B5EF4-FFF2-40B4-BE49-F238E27FC236}">
-                <a16:creationId xmlns:a16="http://schemas.microsoft.com/office/drawing/2014/main" id="{BD739DEC-FCC3-48F6-8654-AE4BB6E06D0B}"/>
+          <p:cNvPr id="19" name="Oval 18">
+            <a:extLst>
+              <a:ext uri="{FF2B5EF4-FFF2-40B4-BE49-F238E27FC236}">
+                <a16:creationId xmlns:a16="http://schemas.microsoft.com/office/drawing/2014/main" id="{7F131C5E-87AC-4697-9CB6-A4E62F60F4A0}"/>
               </a:ext>
             </a:extLst>
           </p:cNvPr>
@@ -31944,7 +31944,7 @@
         </p:nvSpPr>
         <p:spPr>
           <a:xfrm>
-            <a:off x="3973012" y="4214830"/>
+            <a:off x="4346841" y="5234184"/>
             <a:ext cx="129623" cy="129623"/>
           </a:xfrm>
           <a:prstGeom prst="ellipse">
@@ -31986,10 +31986,10 @@
       </p:sp>
       <p:sp>
         <p:nvSpPr>
-          <p:cNvPr id="18" name="Oval 17">
-            <a:extLst>
-              <a:ext uri="{FF2B5EF4-FFF2-40B4-BE49-F238E27FC236}">
-                <a16:creationId xmlns:a16="http://schemas.microsoft.com/office/drawing/2014/main" id="{8A0A71F4-A167-4AEA-9028-F986D806843A}"/>
+          <p:cNvPr id="20" name="Oval 19">
+            <a:extLst>
+              <a:ext uri="{FF2B5EF4-FFF2-40B4-BE49-F238E27FC236}">
+                <a16:creationId xmlns:a16="http://schemas.microsoft.com/office/drawing/2014/main" id="{A856F7B2-7D63-4FE4-AE3A-65BB95D94A64}"/>
               </a:ext>
             </a:extLst>
           </p:cNvPr>
@@ -31998,7 +31998,7 @@
         </p:nvSpPr>
         <p:spPr>
           <a:xfrm>
-            <a:off x="3973012" y="5744985"/>
+            <a:off x="4718300" y="4355204"/>
             <a:ext cx="129623" cy="129623"/>
           </a:xfrm>
           <a:prstGeom prst="ellipse">
@@ -32040,10 +32040,10 @@
       </p:sp>
       <p:sp>
         <p:nvSpPr>
-          <p:cNvPr id="19" name="Oval 18">
-            <a:extLst>
-              <a:ext uri="{FF2B5EF4-FFF2-40B4-BE49-F238E27FC236}">
-                <a16:creationId xmlns:a16="http://schemas.microsoft.com/office/drawing/2014/main" id="{7F131C5E-87AC-4697-9CB6-A4E62F60F4A0}"/>
+          <p:cNvPr id="21" name="Oval 20">
+            <a:extLst>
+              <a:ext uri="{FF2B5EF4-FFF2-40B4-BE49-F238E27FC236}">
+                <a16:creationId xmlns:a16="http://schemas.microsoft.com/office/drawing/2014/main" id="{91E22033-75D6-496B-B430-A965ADA02DAC}"/>
               </a:ext>
             </a:extLst>
           </p:cNvPr>
@@ -32052,7 +32052,7 @@
         </p:nvSpPr>
         <p:spPr>
           <a:xfrm>
-            <a:off x="4346841" y="5234184"/>
+            <a:off x="4857698" y="4666264"/>
             <a:ext cx="129623" cy="129623"/>
           </a:xfrm>
           <a:prstGeom prst="ellipse">
@@ -32094,10 +32094,10 @@
       </p:sp>
       <p:sp>
         <p:nvSpPr>
-          <p:cNvPr id="20" name="Oval 19">
-            <a:extLst>
-              <a:ext uri="{FF2B5EF4-FFF2-40B4-BE49-F238E27FC236}">
-                <a16:creationId xmlns:a16="http://schemas.microsoft.com/office/drawing/2014/main" id="{A856F7B2-7D63-4FE4-AE3A-65BB95D94A64}"/>
+          <p:cNvPr id="22" name="Oval 21">
+            <a:extLst>
+              <a:ext uri="{FF2B5EF4-FFF2-40B4-BE49-F238E27FC236}">
+                <a16:creationId xmlns:a16="http://schemas.microsoft.com/office/drawing/2014/main" id="{53BD77D5-A5A4-45B0-882E-4EB061778C74}"/>
               </a:ext>
             </a:extLst>
           </p:cNvPr>
@@ -32106,7 +32106,7 @@
         </p:nvSpPr>
         <p:spPr>
           <a:xfrm>
-            <a:off x="4718300" y="4355204"/>
+            <a:off x="5196333" y="5727698"/>
             <a:ext cx="129623" cy="129623"/>
           </a:xfrm>
           <a:prstGeom prst="ellipse">
@@ -32148,10 +32148,10 @@
       </p:sp>
       <p:sp>
         <p:nvSpPr>
-          <p:cNvPr id="21" name="Oval 20">
-            <a:extLst>
-              <a:ext uri="{FF2B5EF4-FFF2-40B4-BE49-F238E27FC236}">
-                <a16:creationId xmlns:a16="http://schemas.microsoft.com/office/drawing/2014/main" id="{91E22033-75D6-496B-B430-A965ADA02DAC}"/>
+          <p:cNvPr id="23" name="Oval 22">
+            <a:extLst>
+              <a:ext uri="{FF2B5EF4-FFF2-40B4-BE49-F238E27FC236}">
+                <a16:creationId xmlns:a16="http://schemas.microsoft.com/office/drawing/2014/main" id="{223D5696-0EF8-4A22-87AB-ADE5D7AA34F1}"/>
               </a:ext>
             </a:extLst>
           </p:cNvPr>
@@ -32160,7 +32160,7 @@
         </p:nvSpPr>
         <p:spPr>
           <a:xfrm>
-            <a:off x="4857698" y="4666264"/>
+            <a:off x="5656858" y="5363806"/>
             <a:ext cx="129623" cy="129623"/>
           </a:xfrm>
           <a:prstGeom prst="ellipse">
@@ -32202,10 +32202,10 @@
       </p:sp>
       <p:sp>
         <p:nvSpPr>
-          <p:cNvPr id="22" name="Oval 21">
-            <a:extLst>
-              <a:ext uri="{FF2B5EF4-FFF2-40B4-BE49-F238E27FC236}">
-                <a16:creationId xmlns:a16="http://schemas.microsoft.com/office/drawing/2014/main" id="{53BD77D5-A5A4-45B0-882E-4EB061778C74}"/>
+          <p:cNvPr id="24" name="Oval 23">
+            <a:extLst>
+              <a:ext uri="{FF2B5EF4-FFF2-40B4-BE49-F238E27FC236}">
+                <a16:creationId xmlns:a16="http://schemas.microsoft.com/office/drawing/2014/main" id="{03B47E7E-9420-4447-8A2F-7B0DFD781038}"/>
               </a:ext>
             </a:extLst>
           </p:cNvPr>
@@ -32214,7 +32214,7 @@
         </p:nvSpPr>
         <p:spPr>
           <a:xfrm>
-            <a:off x="5196333" y="5727698"/>
+            <a:off x="4759939" y="5696369"/>
             <a:ext cx="129623" cy="129623"/>
           </a:xfrm>
           <a:prstGeom prst="ellipse">
@@ -32256,10 +32256,10 @@
       </p:sp>
       <p:sp>
         <p:nvSpPr>
-          <p:cNvPr id="23" name="Oval 22">
-            <a:extLst>
-              <a:ext uri="{FF2B5EF4-FFF2-40B4-BE49-F238E27FC236}">
-                <a16:creationId xmlns:a16="http://schemas.microsoft.com/office/drawing/2014/main" id="{223D5696-0EF8-4A22-87AB-ADE5D7AA34F1}"/>
+          <p:cNvPr id="25" name="Oval 24">
+            <a:extLst>
+              <a:ext uri="{FF2B5EF4-FFF2-40B4-BE49-F238E27FC236}">
+                <a16:creationId xmlns:a16="http://schemas.microsoft.com/office/drawing/2014/main" id="{4568F967-64EF-4059-8BEA-70BC66CAEBFF}"/>
               </a:ext>
             </a:extLst>
           </p:cNvPr>
@@ -32268,7 +32268,7 @@
         </p:nvSpPr>
         <p:spPr>
           <a:xfrm>
-            <a:off x="5656858" y="5363806"/>
+            <a:off x="4847923" y="5493301"/>
             <a:ext cx="129623" cy="129623"/>
           </a:xfrm>
           <a:prstGeom prst="ellipse">
@@ -32720,7 +32720,7 @@
                                           </p:stCondLst>
                                         </p:cTn>
                                         <p:tgtEl>
-                                          <p:spTgt spid="16"/>
+                                          <p:spTgt spid="18"/>
                                         </p:tgtEl>
                                         <p:attrNameLst>
                                           <p:attrName>style.visibility</p:attrName>
@@ -32747,7 +32747,7 @@
                                           </p:stCondLst>
                                         </p:cTn>
                                         <p:tgtEl>
-                                          <p:spTgt spid="17"/>
+                                          <p:spTgt spid="19"/>
                                         </p:tgtEl>
                                         <p:attrNameLst>
                                           <p:attrName>style.visibility</p:attrName>
@@ -32774,7 +32774,7 @@
                                           </p:stCondLst>
                                         </p:cTn>
                                         <p:tgtEl>
-                                          <p:spTgt spid="18"/>
+                                          <p:spTgt spid="20"/>
                                         </p:tgtEl>
                                         <p:attrNameLst>
                                           <p:attrName>style.visibility</p:attrName>
@@ -32801,7 +32801,7 @@
                                           </p:stCondLst>
                                         </p:cTn>
                                         <p:tgtEl>
-                                          <p:spTgt spid="19"/>
+                                          <p:spTgt spid="21"/>
                                         </p:tgtEl>
                                         <p:attrNameLst>
                                           <p:attrName>style.visibility</p:attrName>
@@ -32828,7 +32828,7 @@
                                           </p:stCondLst>
                                         </p:cTn>
                                         <p:tgtEl>
-                                          <p:spTgt spid="20"/>
+                                          <p:spTgt spid="22"/>
                                         </p:tgtEl>
                                         <p:attrNameLst>
                                           <p:attrName>style.visibility</p:attrName>
@@ -32855,7 +32855,7 @@
                                           </p:stCondLst>
                                         </p:cTn>
                                         <p:tgtEl>
-                                          <p:spTgt spid="21"/>
+                                          <p:spTgt spid="23"/>
                                         </p:tgtEl>
                                         <p:attrNameLst>
                                           <p:attrName>style.visibility</p:attrName>
@@ -32882,7 +32882,7 @@
                                           </p:stCondLst>
                                         </p:cTn>
                                         <p:tgtEl>
-                                          <p:spTgt spid="22"/>
+                                          <p:spTgt spid="24"/>
                                         </p:tgtEl>
                                         <p:attrNameLst>
                                           <p:attrName>style.visibility</p:attrName>
@@ -32909,7 +32909,7 @@
                                           </p:stCondLst>
                                         </p:cTn>
                                         <p:tgtEl>
-                                          <p:spTgt spid="23"/>
+                                          <p:spTgt spid="25"/>
                                         </p:tgtEl>
                                         <p:attrNameLst>
                                           <p:attrName>style.visibility</p:attrName>
@@ -33009,14 +33009,14 @@
       <p:bldP spid="13" grpId="0" animBg="1"/>
       <p:bldP spid="14" grpId="0" animBg="1"/>
       <p:bldP spid="15" grpId="0" animBg="1"/>
-      <p:bldP spid="16" grpId="0" animBg="1"/>
-      <p:bldP spid="17" grpId="0" animBg="1"/>
       <p:bldP spid="18" grpId="0" animBg="1"/>
       <p:bldP spid="19" grpId="0" animBg="1"/>
       <p:bldP spid="20" grpId="0" animBg="1"/>
       <p:bldP spid="21" grpId="0" animBg="1"/>
       <p:bldP spid="22" grpId="0" animBg="1"/>
       <p:bldP spid="23" grpId="0" animBg="1"/>
+      <p:bldP spid="24" grpId="0" animBg="1"/>
+      <p:bldP spid="25" grpId="0" animBg="1"/>
     </p:bldLst>
   </p:timing>
 </p:sld>
